--- a/output/portfolio.pptx
+++ b/output/portfolio.pptx
@@ -7,6 +7,8 @@
   <p:sldIdLst>
     <p:sldId id="256" r:id="rId7"/>
     <p:sldId id="257" r:id="rId8"/>
+    <p:sldId id="258" r:id="rId9"/>
+    <p:sldId id="259" r:id="rId10"/>
   </p:sldIdLst>
   <p:sldSz cx="9144000" cy="6858000" type="screen4x3"/>
   <p:notesSz cx="6858000" cy="9144000"/>
@@ -3165,7 +3167,7 @@
           <a:lstStyle/>
           <a:p>
             <a:r>
-              <a:t>아티스트 컨텐츠 기획 및 제작</a:t>
+              <a:t>프로젝트 1: 앨범 프로모션 컨텐츠</a:t>
             </a:r>
           </a:p>
         </p:txBody>
@@ -3192,25 +3194,283 @@
           <a:p>
             <a:pPr lvl="1"/>
             <a:r>
-              <a:t>앨범 프로모션 컨텐츠 제작</a:t>
+              <a:t>신보 발매 전후 티저 영상 및 하이라이트 메들리 제작</a:t>
             </a:r>
           </a:p>
           <a:p>
             <a:pPr lvl="1"/>
             <a:r>
-              <a:t>공백기 자체 컨텐츠 제작</a:t>
+              <a:t>뮤직비디오 메이킹 필름 편집 및 후반 작업</a:t>
             </a:r>
           </a:p>
           <a:p>
             <a:pPr lvl="1"/>
             <a:r>
-              <a:t>비하인드 컨텐츠 제작</a:t>
+              <a:t>앨범 자켓 촬영 비하인드 영상 기획 및 제작</a:t>
+            </a:r>
+          </a:p>
+          <a:p>
+            <a:pPr lvl="1"/>
+            <a:r>
+              <a:t>음악방송 대기실 비하인드 컨텐츠 촬영 및 편집</a:t>
+            </a:r>
+          </a:p>
+          <a:p>
+            <a:pPr lvl="1"/>
+            <a:r>
+              <a:t>팬사인회 및 쇼케이스 현장 스케치 영상 제작</a:t>
             </a:r>
           </a:p>
           <a:p>
             <a:br/>
             <a:r>
               <a:t>성과</a:t>
+            </a:r>
+          </a:p>
+          <a:p>
+            <a:pPr lvl="1"/>
+            <a:r>
+              <a:t>앨범 프로모션 컨텐츠 평균 조회수 50만 달성</a:t>
+            </a:r>
+          </a:p>
+          <a:p>
+            <a:pPr lvl="1"/>
+            <a:r>
+              <a:t>유튜브 채널 구독자 15% 증가</a:t>
+            </a:r>
+          </a:p>
+          <a:p>
+            <a:pPr lvl="1"/>
+            <a:r>
+              <a:t>팬 참여도 지표 전년 대비 30% 상승</a:t>
+            </a:r>
+          </a:p>
+        </p:txBody>
+      </p:sp>
+    </p:spTree>
+  </p:cSld>
+  <p:clrMapOvr>
+    <a:masterClrMapping/>
+  </p:clrMapOvr>
+</p:sld>
+</file>
+
+<file path=ppt/slides/slide3.xml><?xml version="1.0" encoding="utf-8"?>
+<p:sld xmlns:a="http://schemas.openxmlformats.org/drawingml/2006/main" xmlns:p="http://schemas.openxmlformats.org/presentationml/2006/main" xmlns:r="http://schemas.openxmlformats.org/officeDocument/2006/relationships">
+  <p:cSld>
+    <p:spTree>
+      <p:nvGrpSpPr>
+        <p:cNvPr id="1" name=""/>
+        <p:cNvGrpSpPr/>
+        <p:nvPr/>
+      </p:nvGrpSpPr>
+      <p:grpSpPr/>
+      <p:sp>
+        <p:nvSpPr>
+          <p:cNvPr id="2" name="Title 1"/>
+          <p:cNvSpPr>
+            <a:spLocks noGrp="1"/>
+          </p:cNvSpPr>
+          <p:nvPr>
+            <p:ph type="title"/>
+          </p:nvPr>
+        </p:nvSpPr>
+        <p:spPr/>
+        <p:txBody>
+          <a:bodyPr/>
+          <a:lstStyle/>
+          <a:p>
+            <a:r>
+              <a:t>프로젝트 2: 공백기 자체 컨텐츠</a:t>
+            </a:r>
+          </a:p>
+        </p:txBody>
+      </p:sp>
+      <p:sp>
+        <p:nvSpPr>
+          <p:cNvPr id="3" name="Content Placeholder 2"/>
+          <p:cNvSpPr>
+            <a:spLocks noGrp="1"/>
+          </p:cNvSpPr>
+          <p:nvPr>
+            <p:ph idx="1"/>
+          </p:nvPr>
+        </p:nvSpPr>
+        <p:spPr/>
+        <p:txBody>
+          <a:bodyPr/>
+          <a:lstStyle/>
+          <a:p>
+            <a:r>
+              <a:t>주요 업무</a:t>
+            </a:r>
+          </a:p>
+          <a:p>
+            <a:pPr lvl="1"/>
+            <a:r>
+              <a:t>아티스트 일상 브이로그 시리즈 기획 및 제작</a:t>
+            </a:r>
+          </a:p>
+          <a:p>
+            <a:pPr lvl="1"/>
+            <a:r>
+              <a:t>멤버별 특화 컨텐츠 포맷 개발 및 운영</a:t>
+            </a:r>
+          </a:p>
+          <a:p>
+            <a:pPr lvl="1"/>
+            <a:r>
+              <a:t>시즈널 특집 예능 컨텐츠 기획 및 촬영</a:t>
+            </a:r>
+          </a:p>
+          <a:p>
+            <a:pPr lvl="1"/>
+            <a:r>
+              <a:t>팬 참여형 챌린지 컨텐츠 제작</a:t>
+            </a:r>
+          </a:p>
+          <a:p>
+            <a:pPr lvl="1"/>
+            <a:r>
+              <a:t>아티스트 커버 영상 기획 및 연출</a:t>
+            </a:r>
+          </a:p>
+          <a:p>
+            <a:br/>
+            <a:r>
+              <a:t>성과</a:t>
+            </a:r>
+          </a:p>
+          <a:p>
+            <a:pPr lvl="1"/>
+            <a:r>
+              <a:t>월평균 컨텐츠 제작 건수 20% 증가</a:t>
+            </a:r>
+          </a:p>
+          <a:p>
+            <a:pPr lvl="1"/>
+            <a:r>
+              <a:t>채널 체류시간 25% 향상</a:t>
+            </a:r>
+          </a:p>
+          <a:p>
+            <a:pPr lvl="1"/>
+            <a:r>
+              <a:t>팬커뮤니티 활성도 35% 상승</a:t>
+            </a:r>
+          </a:p>
+        </p:txBody>
+      </p:sp>
+    </p:spTree>
+  </p:cSld>
+  <p:clrMapOvr>
+    <a:masterClrMapping/>
+  </p:clrMapOvr>
+</p:sld>
+</file>
+
+<file path=ppt/slides/slide4.xml><?xml version="1.0" encoding="utf-8"?>
+<p:sld xmlns:a="http://schemas.openxmlformats.org/drawingml/2006/main" xmlns:p="http://schemas.openxmlformats.org/presentationml/2006/main" xmlns:r="http://schemas.openxmlformats.org/officeDocument/2006/relationships">
+  <p:cSld>
+    <p:spTree>
+      <p:nvGrpSpPr>
+        <p:cNvPr id="1" name=""/>
+        <p:cNvGrpSpPr/>
+        <p:nvPr/>
+      </p:nvGrpSpPr>
+      <p:grpSpPr/>
+      <p:sp>
+        <p:nvSpPr>
+          <p:cNvPr id="2" name="Title 1"/>
+          <p:cNvSpPr>
+            <a:spLocks noGrp="1"/>
+          </p:cNvSpPr>
+          <p:nvPr>
+            <p:ph type="title"/>
+          </p:nvPr>
+        </p:nvSpPr>
+        <p:spPr/>
+        <p:txBody>
+          <a:bodyPr/>
+          <a:lstStyle/>
+          <a:p>
+            <a:r>
+              <a:t>프로젝트 3: 비하인드 컨텐츠</a:t>
+            </a:r>
+          </a:p>
+        </p:txBody>
+      </p:sp>
+      <p:sp>
+        <p:nvSpPr>
+          <p:cNvPr id="3" name="Content Placeholder 2"/>
+          <p:cNvSpPr>
+            <a:spLocks noGrp="1"/>
+          </p:cNvSpPr>
+          <p:nvPr>
+            <p:ph idx="1"/>
+          </p:nvPr>
+        </p:nvSpPr>
+        <p:spPr/>
+        <p:txBody>
+          <a:bodyPr/>
+          <a:lstStyle/>
+          <a:p>
+            <a:r>
+              <a:t>주요 업무</a:t>
+            </a:r>
+          </a:p>
+          <a:p>
+            <a:pPr lvl="1"/>
+            <a:r>
+              <a:t>콘서트 리허설 및 공연 비하인드 촬영</a:t>
+            </a:r>
+          </a:p>
+          <a:p>
+            <a:pPr lvl="1"/>
+            <a:r>
+              <a:t>해외 투어 다큐멘터리 시리즈 제작</a:t>
+            </a:r>
+          </a:p>
+          <a:p>
+            <a:pPr lvl="1"/>
+            <a:r>
+              <a:t>광고 촬영장 메이킹 영상 연출</a:t>
+            </a:r>
+          </a:p>
+          <a:p>
+            <a:pPr lvl="1"/>
+            <a:r>
+              <a:t>팬미팅 하이라이트 영상 편집</a:t>
+            </a:r>
+          </a:p>
+          <a:p>
+            <a:pPr lvl="1"/>
+            <a:r>
+              <a:t>연습실 비하인드 컨텐츠 기획 및 제작</a:t>
+            </a:r>
+          </a:p>
+          <a:p>
+            <a:br/>
+            <a:r>
+              <a:t>성과</a:t>
+            </a:r>
+          </a:p>
+          <a:p>
+            <a:pPr lvl="1"/>
+            <a:r>
+              <a:t>비하인드 컨텐츠 평균 조회수 30만 달성</a:t>
+            </a:r>
+          </a:p>
+          <a:p>
+            <a:pPr lvl="1"/>
+            <a:r>
+              <a:t>SNS 팔로워 수 20% 증가</a:t>
+            </a:r>
+          </a:p>
+          <a:p>
+            <a:pPr lvl="1"/>
+            <a:r>
+              <a:t>팬 만족도 조사 긍정 응답 85% 기록</a:t>
             </a:r>
           </a:p>
         </p:txBody>

--- a/output/portfolio.pptx
+++ b/output/portfolio.pptx
@@ -3217,23 +3217,23 @@
               </a:defRPr>
             </a:pPr>
             <a:r>
-              <a:t>• 기능성 원단 차별화 포인트 발굴 및 메시지 기획</a:t>
+              <a:t>• 기능성 원단 차별화 포인트 발굴 및 커뮤니케이션 전략 수립</a:t>
             </a:r>
             <a:br/>
             <a:r>
-              <a:t>• 캠페인 필름 제작 및 로고 그래픽 디자인 총괄</a:t>
+              <a:t>• 캠페인 필름 제작 및 제품 화보 촬영 총괄</a:t>
             </a:r>
             <a:br/>
             <a:r>
-              <a:t>• 디지털/옥외 통합 미디어 전략 수립</a:t>
+              <a:t>• 브랜드 로고 그래픽 디자인 가이드 수립</a:t>
             </a:r>
             <a:br/>
             <a:r>
-              <a:t>• 체험단 200명 모집 및 리뷰 콘텐츠 제작</a:t>
+              <a:t>• 디지털/옥외 통합 미디어 전략 기획</a:t>
             </a:r>
             <a:br/>
             <a:r>
-              <a:t>• 디지털 매거진 5개 매체 기획 기사 진행</a:t>
+              <a:t>• 체험단 200명 모집 및 디지털 매거진 기획</a:t>
             </a:r>
           </a:p>
           <a:p>
@@ -3263,7 +3263,7 @@
             </a:r>
             <a:br/>
             <a:r>
-              <a:t>• 옥외 매체 노출 600만 회 기록</a:t>
+              <a:t>• 옥외 매체 노출 600만 회 이상 기록</a:t>
             </a:r>
             <a:br/>
             <a:r>
@@ -3357,23 +3357,23 @@
               </a:defRPr>
             </a:pPr>
             <a:r>
-              <a:t>• 월별 시즌 테마 기획 및 콘텐츠 전략 수립</a:t>
+              <a:t>• 월별 시즌 컬렉션 테마 기획 및 콘텐츠 전략 수립</a:t>
             </a:r>
             <a:br/>
             <a:r>
-              <a:t>• 제품 스타일링 및 화보 촬영 기획/진행</a:t>
+              <a:t>• 제품 촬영 디렉팅 및 비주얼 가이드라인 제작</a:t>
             </a:r>
             <a:br/>
             <a:r>
-              <a:t>• D2C몰 상세페이지 기획 및 제작</a:t>
+              <a:t>• D2C몰 전용 상품 기획 및 프로모션 운영</a:t>
             </a:r>
             <a:br/>
             <a:r>
-              <a:t>• 컬렉션별 프로모션 이벤트 기획</a:t>
+              <a:t>• SNS 연계 마케팅 캠페인 기획 및 실행</a:t>
             </a:r>
             <a:br/>
             <a:r>
-              <a:t>• 주간 성과 분석 및 개선안 도출</a:t>
+              <a:t>• 주간/월간 성과 분석 및 개선안 도출</a:t>
             </a:r>
           </a:p>
           <a:p>
@@ -3403,11 +3403,11 @@
             </a:r>
             <a:br/>
             <a:r>
-              <a:t>• 전년 대비 매출 45% 증가</a:t>
+              <a:t>• 전년 대비 온라인 매출 35% 증가</a:t>
             </a:r>
             <a:br/>
             <a:r>
-              <a:t>• 신규 회원가입 전년 대비 80% 증가</a:t>
+              <a:t>• 신규 회원가입 전년 대비 50% 증가</a:t>
             </a:r>
           </a:p>
         </p:txBody>

--- a/output/portfolio.pptx
+++ b/output/portfolio.pptx
@@ -6,8 +6,6 @@
   </p:sldMasterIdLst>
   <p:sldIdLst>
     <p:sldId id="256" r:id="rId7"/>
-    <p:sldId id="257" r:id="rId8"/>
-    <p:sldId id="258" r:id="rId9"/>
   </p:sldIdLst>
   <p:sldSz cx="9144000" cy="6858000" type="screen4x3"/>
   <p:notesSz cx="6858000" cy="9144000"/>
@@ -3106,7 +3104,7 @@
           <a:lstStyle/>
           <a:p>
             <a:r>
-              <a:t>프로스펙스</a:t>
+              <a:t>티빙</a:t>
             </a:r>
           </a:p>
         </p:txBody>
@@ -3128,286 +3126,6 @@
           <a:p>
             <a:r>
               <a:t>마케팅팀</a:t>
-            </a:r>
-          </a:p>
-        </p:txBody>
-      </p:sp>
-    </p:spTree>
-  </p:cSld>
-  <p:clrMapOvr>
-    <a:masterClrMapping/>
-  </p:clrMapOvr>
-</p:sld>
-</file>
-
-<file path=ppt/slides/slide2.xml><?xml version="1.0" encoding="utf-8"?>
-<p:sld xmlns:a="http://schemas.openxmlformats.org/drawingml/2006/main" xmlns:p="http://schemas.openxmlformats.org/presentationml/2006/main" xmlns:r="http://schemas.openxmlformats.org/officeDocument/2006/relationships">
-  <p:cSld>
-    <p:spTree>
-      <p:nvGrpSpPr>
-        <p:cNvPr id="1" name=""/>
-        <p:cNvGrpSpPr/>
-        <p:nvPr/>
-      </p:nvGrpSpPr>
-      <p:grpSpPr/>
-      <p:sp>
-        <p:nvSpPr>
-          <p:cNvPr id="2" name="Title 1"/>
-          <p:cNvSpPr>
-            <a:spLocks noGrp="1"/>
-          </p:cNvSpPr>
-          <p:nvPr>
-            <p:ph type="title"/>
-          </p:nvPr>
-        </p:nvSpPr>
-        <p:spPr/>
-        <p:txBody>
-          <a:bodyPr/>
-          <a:lstStyle/>
-          <a:p>
-            <a:pPr>
-              <a:defRPr sz="3200" b="1">
-                <a:latin typeface="Pretendard"/>
-              </a:defRPr>
-            </a:pPr>
-            <a:r>
-              <a:t>안티버그 마케팅 캠페인</a:t>
-            </a:r>
-          </a:p>
-        </p:txBody>
-      </p:sp>
-      <p:sp>
-        <p:nvSpPr>
-          <p:cNvPr id="3" name="Content Placeholder 2"/>
-          <p:cNvSpPr>
-            <a:spLocks noGrp="1"/>
-          </p:cNvSpPr>
-          <p:nvPr>
-            <p:ph idx="1"/>
-          </p:nvPr>
-        </p:nvSpPr>
-        <p:spPr/>
-        <p:txBody>
-          <a:bodyPr/>
-          <a:lstStyle/>
-          <a:p/>
-          <a:p>
-            <a:pPr>
-              <a:spcBef>
-                <a:spcPts val="1200"/>
-              </a:spcBef>
-              <a:spcAft>
-                <a:spcPts val="600"/>
-              </a:spcAft>
-              <a:defRPr sz="1800" b="1">
-                <a:latin typeface="Pretendard"/>
-              </a:defRPr>
-            </a:pPr>
-            <a:r>
-              <a:t>프로젝트 상세</a:t>
-            </a:r>
-          </a:p>
-          <a:p>
-            <a:pPr>
-              <a:spcAft>
-                <a:spcPts val="1200"/>
-              </a:spcAft>
-              <a:defRPr sz="1400">
-                <a:latin typeface="Pretendard"/>
-              </a:defRPr>
-            </a:pPr>
-            <a:r>
-              <a:t>• 기능성 원단 차별화 포인트 발굴 및 커뮤니케이션 전략 수립</a:t>
-            </a:r>
-            <a:br/>
-            <a:r>
-              <a:t>• 캠페인 필름 제작 및 제품 화보 촬영 총괄</a:t>
-            </a:r>
-            <a:br/>
-            <a:r>
-              <a:t>• 브랜드 로고 그래픽 디자인 가이드 수립</a:t>
-            </a:r>
-            <a:br/>
-            <a:r>
-              <a:t>• 디지털/옥외 통합 미디어 전략 기획</a:t>
-            </a:r>
-            <a:br/>
-            <a:r>
-              <a:t>• 체험단 200명 모집 및 디지털 매거진 기획</a:t>
-            </a:r>
-          </a:p>
-          <a:p>
-            <a:pPr>
-              <a:spcBef>
-                <a:spcPts val="1200"/>
-              </a:spcBef>
-              <a:spcAft>
-                <a:spcPts val="600"/>
-              </a:spcAft>
-              <a:defRPr sz="1800" b="1">
-                <a:latin typeface="Pretendard"/>
-              </a:defRPr>
-            </a:pPr>
-            <a:r>
-              <a:t>주요 성과</a:t>
-            </a:r>
-          </a:p>
-          <a:p>
-            <a:pPr>
-              <a:defRPr sz="1400">
-                <a:latin typeface="Pretendard"/>
-              </a:defRPr>
-            </a:pPr>
-            <a:r>
-              <a:t>• 목표 대비 노출 수 153% 달성 (1,200만 회)</a:t>
-            </a:r>
-            <a:br/>
-            <a:r>
-              <a:t>• 옥외 매체 노출 600만 회 이상 기록</a:t>
-            </a:r>
-            <a:br/>
-            <a:r>
-              <a:t>• 바이럴 마케팅 통한 추가 노출 20만 회 달성</a:t>
-            </a:r>
-          </a:p>
-        </p:txBody>
-      </p:sp>
-    </p:spTree>
-  </p:cSld>
-  <p:clrMapOvr>
-    <a:masterClrMapping/>
-  </p:clrMapOvr>
-</p:sld>
-</file>
-
-<file path=ppt/slides/slide3.xml><?xml version="1.0" encoding="utf-8"?>
-<p:sld xmlns:a="http://schemas.openxmlformats.org/drawingml/2006/main" xmlns:p="http://schemas.openxmlformats.org/presentationml/2006/main" xmlns:r="http://schemas.openxmlformats.org/officeDocument/2006/relationships">
-  <p:cSld>
-    <p:spTree>
-      <p:nvGrpSpPr>
-        <p:cNvPr id="1" name=""/>
-        <p:cNvGrpSpPr/>
-        <p:nvPr/>
-      </p:nvGrpSpPr>
-      <p:grpSpPr/>
-      <p:sp>
-        <p:nvSpPr>
-          <p:cNvPr id="2" name="Title 1"/>
-          <p:cNvSpPr>
-            <a:spLocks noGrp="1"/>
-          </p:cNvSpPr>
-          <p:nvPr>
-            <p:ph type="title"/>
-          </p:nvPr>
-        </p:nvSpPr>
-        <p:spPr/>
-        <p:txBody>
-          <a:bodyPr/>
-          <a:lstStyle/>
-          <a:p>
-            <a:pPr>
-              <a:defRPr sz="3200" b="1">
-                <a:latin typeface="Pretendard"/>
-              </a:defRPr>
-            </a:pPr>
-            <a:r>
-              <a:t>온라인 컬렉션 운영</a:t>
-            </a:r>
-          </a:p>
-        </p:txBody>
-      </p:sp>
-      <p:sp>
-        <p:nvSpPr>
-          <p:cNvPr id="3" name="Content Placeholder 2"/>
-          <p:cNvSpPr>
-            <a:spLocks noGrp="1"/>
-          </p:cNvSpPr>
-          <p:nvPr>
-            <p:ph idx="1"/>
-          </p:nvPr>
-        </p:nvSpPr>
-        <p:spPr/>
-        <p:txBody>
-          <a:bodyPr/>
-          <a:lstStyle/>
-          <a:p/>
-          <a:p>
-            <a:pPr>
-              <a:spcBef>
-                <a:spcPts val="1200"/>
-              </a:spcBef>
-              <a:spcAft>
-                <a:spcPts val="600"/>
-              </a:spcAft>
-              <a:defRPr sz="1800" b="1">
-                <a:latin typeface="Pretendard"/>
-              </a:defRPr>
-            </a:pPr>
-            <a:r>
-              <a:t>프로젝트 상세</a:t>
-            </a:r>
-          </a:p>
-          <a:p>
-            <a:pPr>
-              <a:spcAft>
-                <a:spcPts val="1200"/>
-              </a:spcAft>
-              <a:defRPr sz="1400">
-                <a:latin typeface="Pretendard"/>
-              </a:defRPr>
-            </a:pPr>
-            <a:r>
-              <a:t>• 월별 시즌 컬렉션 테마 기획 및 콘텐츠 전략 수립</a:t>
-            </a:r>
-            <a:br/>
-            <a:r>
-              <a:t>• 제품 촬영 디렉팅 및 비주얼 가이드라인 제작</a:t>
-            </a:r>
-            <a:br/>
-            <a:r>
-              <a:t>• D2C몰 전용 상품 기획 및 프로모션 운영</a:t>
-            </a:r>
-            <a:br/>
-            <a:r>
-              <a:t>• SNS 연계 마케팅 캠페인 기획 및 실행</a:t>
-            </a:r>
-            <a:br/>
-            <a:r>
-              <a:t>• 주간/월간 성과 분석 및 개선안 도출</a:t>
-            </a:r>
-          </a:p>
-          <a:p>
-            <a:pPr>
-              <a:spcBef>
-                <a:spcPts val="1200"/>
-              </a:spcBef>
-              <a:spcAft>
-                <a:spcPts val="600"/>
-              </a:spcAft>
-              <a:defRPr sz="1800" b="1">
-                <a:latin typeface="Pretendard"/>
-              </a:defRPr>
-            </a:pPr>
-            <a:r>
-              <a:t>주요 성과</a:t>
-            </a:r>
-          </a:p>
-          <a:p>
-            <a:pPr>
-              <a:defRPr sz="1400">
-                <a:latin typeface="Pretendard"/>
-              </a:defRPr>
-            </a:pPr>
-            <a:r>
-              <a:t>• 자사몰 누적 PV 423만 회 달성</a:t>
-            </a:r>
-            <a:br/>
-            <a:r>
-              <a:t>• 전년 대비 온라인 매출 35% 증가</a:t>
-            </a:r>
-            <a:br/>
-            <a:r>
-              <a:t>• 신규 회원가입 전년 대비 50% 증가</a:t>
             </a:r>
           </a:p>
         </p:txBody>

--- a/output/portfolio.pptx
+++ b/output/portfolio.pptx
@@ -6,6 +6,7 @@
   </p:sldMasterIdLst>
   <p:sldIdLst>
     <p:sldId id="256" r:id="rId7"/>
+    <p:sldId id="257" r:id="rId8"/>
   </p:sldIdLst>
   <p:sldSz cx="9144000" cy="6858000" type="screen4x3"/>
   <p:notesSz cx="6858000" cy="9144000"/>
@@ -3103,8 +3104,13 @@
           <a:bodyPr/>
           <a:lstStyle/>
           <a:p>
-            <a:r>
-              <a:t>티빙</a:t>
+            <a:pPr>
+              <a:defRPr sz="4400" b="1">
+                <a:latin typeface="Pretendard"/>
+              </a:defRPr>
+            </a:pPr>
+            <a:r>
+              <a:t>{{company}}</a:t>
             </a:r>
           </a:p>
         </p:txBody>
@@ -3124,8 +3130,129 @@
           <a:bodyPr/>
           <a:lstStyle/>
           <a:p>
-            <a:r>
-              <a:t>마케팅팀</a:t>
+            <a:pPr>
+              <a:defRPr sz="2400">
+                <a:latin typeface="Pretendard"/>
+              </a:defRPr>
+            </a:pPr>
+            <a:r>
+              <a:t>{{start_date}} - {{end_date}}</a:t>
+            </a:r>
+          </a:p>
+        </p:txBody>
+      </p:sp>
+    </p:spTree>
+  </p:cSld>
+  <p:clrMapOvr>
+    <a:masterClrMapping/>
+  </p:clrMapOvr>
+</p:sld>
+</file>
+
+<file path=ppt/slides/slide2.xml><?xml version="1.0" encoding="utf-8"?>
+<p:sld xmlns:a="http://schemas.openxmlformats.org/drawingml/2006/main" xmlns:p="http://schemas.openxmlformats.org/presentationml/2006/main" xmlns:r="http://schemas.openxmlformats.org/officeDocument/2006/relationships">
+  <p:cSld>
+    <p:spTree>
+      <p:nvGrpSpPr>
+        <p:cNvPr id="1" name=""/>
+        <p:cNvGrpSpPr/>
+        <p:nvPr/>
+      </p:nvGrpSpPr>
+      <p:grpSpPr/>
+      <p:sp>
+        <p:nvSpPr>
+          <p:cNvPr id="2" name="Title 1"/>
+          <p:cNvSpPr>
+            <a:spLocks noGrp="1"/>
+          </p:cNvSpPr>
+          <p:nvPr>
+            <p:ph type="title"/>
+          </p:nvPr>
+        </p:nvSpPr>
+        <p:spPr/>
+        <p:txBody>
+          <a:bodyPr/>
+          <a:lstStyle/>
+          <a:p>
+            <a:pPr>
+              <a:defRPr sz="3200" b="1">
+                <a:latin typeface="Pretendard"/>
+              </a:defRPr>
+            </a:pPr>
+            <a:r>
+              <a:t>{{project}}</a:t>
+            </a:r>
+          </a:p>
+        </p:txBody>
+      </p:sp>
+      <p:sp>
+        <p:nvSpPr>
+          <p:cNvPr id="3" name="Content Placeholder 2"/>
+          <p:cNvSpPr>
+            <a:spLocks noGrp="1"/>
+          </p:cNvSpPr>
+          <p:nvPr>
+            <p:ph idx="1"/>
+          </p:nvPr>
+        </p:nvSpPr>
+        <p:spPr/>
+        <p:txBody>
+          <a:bodyPr/>
+          <a:lstStyle/>
+          <a:p/>
+          <a:p>
+            <a:pPr>
+              <a:spcBef>
+                <a:spcPts val="1200"/>
+              </a:spcBef>
+              <a:spcAft>
+                <a:spcPts val="600"/>
+              </a:spcAft>
+              <a:defRPr sz="1800" b="1">
+                <a:latin typeface="Pretendard"/>
+              </a:defRPr>
+            </a:pPr>
+            <a:r>
+              <a:t>프로젝트 상세</a:t>
+            </a:r>
+          </a:p>
+          <a:p>
+            <a:pPr>
+              <a:spcAft>
+                <a:spcPts val="1200"/>
+              </a:spcAft>
+              <a:defRPr sz="1400">
+                <a:latin typeface="Pretendard"/>
+              </a:defRPr>
+            </a:pPr>
+            <a:r>
+              <a:t>{{details}}</a:t>
+            </a:r>
+          </a:p>
+          <a:p>
+            <a:pPr>
+              <a:spcBef>
+                <a:spcPts val="1200"/>
+              </a:spcBef>
+              <a:spcAft>
+                <a:spcPts val="600"/>
+              </a:spcAft>
+              <a:defRPr sz="1800" b="1">
+                <a:latin typeface="Pretendard"/>
+              </a:defRPr>
+            </a:pPr>
+            <a:r>
+              <a:t>주요 성과</a:t>
+            </a:r>
+          </a:p>
+          <a:p>
+            <a:pPr>
+              <a:defRPr sz="1400">
+                <a:latin typeface="Pretendard"/>
+              </a:defRPr>
+            </a:pPr>
+            <a:r>
+              <a:t>{{results}}</a:t>
             </a:r>
           </a:p>
         </p:txBody>

--- a/output/portfolio.pptx
+++ b/output/portfolio.pptx
@@ -7,6 +7,7 @@
   <p:sldIdLst>
     <p:sldId id="256" r:id="rId7"/>
     <p:sldId id="257" r:id="rId8"/>
+    <p:sldId id="258" r:id="rId9"/>
   </p:sldIdLst>
   <p:sldSz cx="9144000" cy="6858000" type="screen4x3"/>
   <p:notesSz cx="6858000" cy="9144000"/>
@@ -3110,7 +3111,7 @@
               </a:defRPr>
             </a:pPr>
             <a:r>
-              <a:t>{{company}}</a:t>
+              <a:t>티빙</a:t>
             </a:r>
           </a:p>
         </p:txBody>
@@ -3136,7 +3137,7 @@
               </a:defRPr>
             </a:pPr>
             <a:r>
-              <a:t>{{start_date}} - {{end_date}}</a:t>
+              <a:t>2024.03 - 현재</a:t>
             </a:r>
           </a:p>
         </p:txBody>
@@ -3180,7 +3181,7 @@
               </a:defRPr>
             </a:pPr>
             <a:r>
-              <a:t>{{project}}</a:t>
+              <a:t>Project Template</a:t>
             </a:r>
           </a:p>
         </p:txBody>
@@ -3200,6 +3201,50 @@
           <a:bodyPr/>
           <a:lstStyle/>
           <a:p/>
+        </p:txBody>
+      </p:sp>
+    </p:spTree>
+  </p:cSld>
+  <p:clrMapOvr>
+    <a:masterClrMapping/>
+  </p:clrMapOvr>
+</p:sld>
+</file>
+
+<file path=ppt/slides/slide3.xml><?xml version="1.0" encoding="utf-8"?>
+<p:sld xmlns:a="http://schemas.openxmlformats.org/drawingml/2006/main" xmlns:p="http://schemas.openxmlformats.org/presentationml/2006/main" xmlns:r="http://schemas.openxmlformats.org/officeDocument/2006/relationships">
+  <p:cSld>
+    <p:spTree>
+      <p:nvGrpSpPr>
+        <p:cNvPr id="1" name=""/>
+        <p:cNvGrpSpPr/>
+        <p:nvPr/>
+      </p:nvGrpSpPr>
+      <p:grpSpPr/>
+      <p:sp>
+        <p:nvSpPr>
+          <p:cNvPr id="2" name="Title 1"/>
+          <p:cNvSpPr>
+            <a:spLocks noGrp="1"/>
+          </p:cNvSpPr>
+          <p:nvPr>
+            <p:ph type="title"/>
+          </p:nvPr>
+        </p:nvSpPr>
+        <p:spPr/>
+        <p:txBody>
+          <a:bodyPr/>
+          <a:lstStyle/>
+          <a:p>
+            <a:pPr>
+              <a:defRPr sz="3200" b="1">
+                <a:latin typeface="Pretendard"/>
+              </a:defRPr>
+            </a:pPr>
+            <a:r>
+              <a:t>그로스폴리오 론칭 퍼포먼스캠페인</a:t>
+            </a:r>
+          </a:p>
           <a:p>
             <a:pPr>
               <a:spcBef>
@@ -3219,14 +3264,66 @@
           <a:p>
             <a:pPr>
               <a:spcAft>
-                <a:spcPts val="1200"/>
+                <a:spcPts val="600"/>
               </a:spcAft>
               <a:defRPr sz="1400">
                 <a:latin typeface="Pretendard"/>
               </a:defRPr>
             </a:pPr>
             <a:r>
-              <a:t>{{details}}</a:t>
+              <a:t>• 신규 플랫폼 론칭을 위한 통합 마케팅 전략 수립 및 실행</a:t>
+            </a:r>
+          </a:p>
+          <a:p>
+            <a:pPr>
+              <a:spcAft>
+                <a:spcPts val="600"/>
+              </a:spcAft>
+              <a:defRPr sz="1400">
+                <a:latin typeface="Pretendard"/>
+              </a:defRPr>
+            </a:pPr>
+            <a:r>
+              <a:t>• 페이스북, 인스타그램 등 소셜 미디어 광고 캠페인 기획 및 운영</a:t>
+            </a:r>
+          </a:p>
+          <a:p>
+            <a:pPr>
+              <a:spcAft>
+                <a:spcPts val="600"/>
+              </a:spcAft>
+              <a:defRPr sz="1400">
+                <a:latin typeface="Pretendard"/>
+              </a:defRPr>
+            </a:pPr>
+            <a:r>
+              <a:t>• 퍼포먼스 마케팅 KPI 설정 및 실시간 모니터링 시스템 구축</a:t>
+            </a:r>
+          </a:p>
+          <a:p>
+            <a:pPr>
+              <a:spcAft>
+                <a:spcPts val="600"/>
+              </a:spcAft>
+              <a:defRPr sz="1400">
+                <a:latin typeface="Pretendard"/>
+              </a:defRPr>
+            </a:pPr>
+            <a:r>
+              <a:t>• 타겟 오디언스 분석을 통한 맞춤형 크리에이티브 제작 및 최적화</a:t>
+            </a:r>
+          </a:p>
+          <a:p>
+            <a:pPr>
+              <a:spcAft>
+                <a:spcPts val="600"/>
+              </a:spcAft>
+              <a:defRPr sz="1400">
+                <a:latin typeface="Pretendard"/>
+              </a:defRPr>
+            </a:pPr>
+            <a:r>
+              <a:t>• 매체별 예산 할당 및 ROI 분석을 통한 효율적인 광고 집행</a:t>
             </a:r>
           </a:p>
           <a:p>
@@ -3247,14 +3344,60 @@
           </a:p>
           <a:p>
             <a:pPr>
+              <a:spcAft>
+                <a:spcPts val="600"/>
+              </a:spcAft>
               <a:defRPr sz="1400">
                 <a:latin typeface="Pretendard"/>
               </a:defRPr>
             </a:pPr>
             <a:r>
-              <a:t>{{results}}</a:t>
-            </a:r>
-          </a:p>
+              <a:t>• 론칭 첫 달 신규 가입자 30,000명 확보</a:t>
+            </a:r>
+          </a:p>
+          <a:p>
+            <a:pPr>
+              <a:spcAft>
+                <a:spcPts val="600"/>
+              </a:spcAft>
+              <a:defRPr sz="1400">
+                <a:latin typeface="Pretendard"/>
+              </a:defRPr>
+            </a:pPr>
+            <a:r>
+              <a:t>• 광고 투자 대비 수익률(ROAS) 180% 달성</a:t>
+            </a:r>
+          </a:p>
+          <a:p>
+            <a:pPr>
+              <a:spcAft>
+                <a:spcPts val="600"/>
+              </a:spcAft>
+              <a:defRPr sz="1400">
+                <a:latin typeface="Pretendard"/>
+              </a:defRPr>
+            </a:pPr>
+            <a:r>
+              <a:t>• 플랫폼 인지도 조사에서 목표 대비 135% 상승</a:t>
+            </a:r>
+          </a:p>
+        </p:txBody>
+      </p:sp>
+      <p:sp>
+        <p:nvSpPr>
+          <p:cNvPr id="3" name="Content Placeholder 2"/>
+          <p:cNvSpPr>
+            <a:spLocks noGrp="1"/>
+          </p:cNvSpPr>
+          <p:nvPr>
+            <p:ph idx="1"/>
+          </p:nvPr>
+        </p:nvSpPr>
+        <p:spPr/>
+        <p:txBody>
+          <a:bodyPr/>
+          <a:lstStyle/>
+          <a:p/>
         </p:txBody>
       </p:sp>
     </p:spTree>

--- a/output/portfolio.pptx
+++ b/output/portfolio.pptx
@@ -3137,7 +3137,7 @@
               </a:defRPr>
             </a:pPr>
             <a:r>
-              <a:t>2024.03 - 현재</a:t>
+              <a:t>2023.04 - 현재</a:t>
             </a:r>
           </a:p>
         </p:txBody>
@@ -3242,7 +3242,7 @@
               </a:defRPr>
             </a:pPr>
             <a:r>
-              <a:t>그로스폴리오 론칭 퍼포먼스캠페인</a:t>
+              <a:t>그로스폴리오 론칭 캠페인</a:t>
             </a:r>
           </a:p>
           <a:p>
@@ -3271,7 +3271,7 @@
               </a:defRPr>
             </a:pPr>
             <a:r>
-              <a:t>• 신규 플랫폼 론칭을 위한 통합 마케팅 전략 수립 및 실행</a:t>
+              <a:t>• 신규 서비스 그로스폴리오의 브랜드 아이덴티티 및 마케팅 전략 수립</a:t>
             </a:r>
           </a:p>
           <a:p>
@@ -3284,7 +3284,7 @@
               </a:defRPr>
             </a:pPr>
             <a:r>
-              <a:t>• 페이스북, 인스타그램 등 소셜 미디어 광고 캠페인 기획 및 운영</a:t>
+              <a:t>• 타겟 고객층 분석을 통한 맞춤형 프로모션 캠페인 기획 및 실행</a:t>
             </a:r>
           </a:p>
           <a:p>
@@ -3297,7 +3297,7 @@
               </a:defRPr>
             </a:pPr>
             <a:r>
-              <a:t>• 퍼포먼스 마케팅 KPI 설정 및 실시간 모니터링 시스템 구축</a:t>
+              <a:t>• SNS 채널별 차별화된 콘텐츠 제작 및 운영 전략 수립</a:t>
             </a:r>
           </a:p>
           <a:p>
@@ -3310,7 +3310,7 @@
               </a:defRPr>
             </a:pPr>
             <a:r>
-              <a:t>• 타겟 오디언스 분석을 통한 맞춤형 크리에이티브 제작 및 최적화</a:t>
+              <a:t>• 유저 리텐션 향상을 위한 리워드 프로그램 설계 및 구현</a:t>
             </a:r>
           </a:p>
           <a:p>
@@ -3323,7 +3323,7 @@
               </a:defRPr>
             </a:pPr>
             <a:r>
-              <a:t>• 매체별 예산 할당 및 ROI 분석을 통한 효율적인 광고 집행</a:t>
+              <a:t>• 서비스 인지도 제고를 위한 디지털 광고 캠페인 운영</a:t>
             </a:r>
           </a:p>
           <a:p>
@@ -3352,7 +3352,7 @@
               </a:defRPr>
             </a:pPr>
             <a:r>
-              <a:t>• 론칭 첫 달 신규 가입자 30,000명 확보</a:t>
+              <a:t>• 론칭 3개월 만에 신규 가입자 50,000명 확보</a:t>
             </a:r>
           </a:p>
           <a:p>
@@ -3365,7 +3365,7 @@
               </a:defRPr>
             </a:pPr>
             <a:r>
-              <a:t>• 광고 투자 대비 수익률(ROAS) 180% 달성</a:t>
+              <a:t>• 캠페인 기간 동안 앱 다운로드 전환율 35% 달성</a:t>
             </a:r>
           </a:p>
           <a:p>
@@ -3378,7 +3378,7 @@
               </a:defRPr>
             </a:pPr>
             <a:r>
-              <a:t>• 플랫폼 인지도 조사에서 목표 대비 135% 상승</a:t>
+              <a:t>• 마케팅 활동을 통한 서비스 인지도 22% 상승</a:t>
             </a:r>
           </a:p>
         </p:txBody>

--- a/output/portfolio.pptx
+++ b/output/portfolio.pptx
@@ -3137,7 +3137,7 @@
               </a:defRPr>
             </a:pPr>
             <a:r>
-              <a:t>2023.04 - 현재</a:t>
+              <a:t>2023.03 - 현재</a:t>
             </a:r>
           </a:p>
         </p:txBody>
@@ -3271,7 +3271,7 @@
               </a:defRPr>
             </a:pPr>
             <a:r>
-              <a:t>• 신규 서비스 그로스폴리오의 브랜드 아이덴티티 및 마케팅 전략 수립</a:t>
+              <a:t>• 그로스폴리오 론칭을 위한 전체 마케팅 전략 수립 및 실행 계획 수립</a:t>
             </a:r>
           </a:p>
           <a:p>
@@ -3284,7 +3284,7 @@
               </a:defRPr>
             </a:pPr>
             <a:r>
-              <a:t>• 타겟 고객층 분석을 통한 맞춤형 프로모션 캠페인 기획 및 실행</a:t>
+              <a:t>• 디지털 마케팅 채널별 맞춤형 콘텐츠 기획 및 제작 관리</a:t>
             </a:r>
           </a:p>
           <a:p>
@@ -3297,7 +3297,7 @@
               </a:defRPr>
             </a:pPr>
             <a:r>
-              <a:t>• SNS 채널별 차별화된 콘텐츠 제작 및 운영 전략 수립</a:t>
+              <a:t>• SNS 채널 운영 전략 수립 및 캠페인 콘텐츠 제작 진행</a:t>
             </a:r>
           </a:p>
           <a:p>
@@ -3310,7 +3310,7 @@
               </a:defRPr>
             </a:pPr>
             <a:r>
-              <a:t>• 유저 리텐션 향상을 위한 리워드 프로그램 설계 및 구현</a:t>
+              <a:t>• 유저 획득을 위한 퍼포먼스 마케팅 캠페인 기획 및 운영</a:t>
             </a:r>
           </a:p>
           <a:p>
@@ -3323,7 +3323,7 @@
               </a:defRPr>
             </a:pPr>
             <a:r>
-              <a:t>• 서비스 인지도 제고를 위한 디지털 광고 캠페인 운영</a:t>
+              <a:t>• 론칭 이벤트 기획 및 프로모션 운영 총괄</a:t>
             </a:r>
           </a:p>
           <a:p>
@@ -3352,7 +3352,7 @@
               </a:defRPr>
             </a:pPr>
             <a:r>
-              <a:t>• 론칭 3개월 만에 신규 가입자 50,000명 확보</a:t>
+              <a:t>• 론칭 첫 달 신규 가입자 32,000명 확보</a:t>
             </a:r>
           </a:p>
           <a:p>
@@ -3365,7 +3365,7 @@
               </a:defRPr>
             </a:pPr>
             <a:r>
-              <a:t>• 캠페인 기간 동안 앱 다운로드 전환율 35% 달성</a:t>
+              <a:t>• 캠페인 기간 내 광고 투자 대비 수익률(ROAS) 180% 달성</a:t>
             </a:r>
           </a:p>
           <a:p>
@@ -3378,7 +3378,7 @@
               </a:defRPr>
             </a:pPr>
             <a:r>
-              <a:t>• 마케팅 활동을 통한 서비스 인지도 22% 상승</a:t>
+              <a:t>• SNS 채널 팔로워 3개월 간 45% 증가</a:t>
             </a:r>
           </a:p>
         </p:txBody>

--- a/output/portfolio.pptx
+++ b/output/portfolio.pptx
@@ -3137,7 +3137,7 @@
               </a:defRPr>
             </a:pPr>
             <a:r>
-              <a:t>2023.03 - 현재</a:t>
+              <a:t>2023.04 - 현재</a:t>
             </a:r>
           </a:p>
         </p:txBody>
@@ -3271,7 +3271,7 @@
               </a:defRPr>
             </a:pPr>
             <a:r>
-              <a:t>• 그로스폴리오 론칭을 위한 전체 마케팅 전략 수립 및 실행 계획 수립</a:t>
+              <a:t>• 신규 서비스 그로스폴리오의 전체 마케팅 전략 기획 및 실행</a:t>
             </a:r>
           </a:p>
           <a:p>
@@ -3284,7 +3284,7 @@
               </a:defRPr>
             </a:pPr>
             <a:r>
-              <a:t>• 디지털 마케팅 채널별 맞춤형 콘텐츠 기획 및 제작 관리</a:t>
+              <a:t>• 디지털 광고 캠페인 기획 및 매체 믹스 최적화 진행</a:t>
             </a:r>
           </a:p>
           <a:p>
@@ -3297,7 +3297,7 @@
               </a:defRPr>
             </a:pPr>
             <a:r>
-              <a:t>• SNS 채널 운영 전략 수립 및 캠페인 콘텐츠 제작 진행</a:t>
+              <a:t>• 소셜미디어 채널별 맞춤형 콘텐츠 제작 및 운영</a:t>
             </a:r>
           </a:p>
           <a:p>
@@ -3310,7 +3310,7 @@
               </a:defRPr>
             </a:pPr>
             <a:r>
-              <a:t>• 유저 획득을 위한 퍼포먼스 마케팅 캠페인 기획 및 운영</a:t>
+              <a:t>• 인플루언서 마케팅 프로그램 기획 및 협업 진행</a:t>
             </a:r>
           </a:p>
           <a:p>
@@ -3323,7 +3323,7 @@
               </a:defRPr>
             </a:pPr>
             <a:r>
-              <a:t>• 론칭 이벤트 기획 및 프로모션 운영 총괄</a:t>
+              <a:t>• 서비스 론칭 이벤트 및 프로모션 캠페인 총괄</a:t>
             </a:r>
           </a:p>
           <a:p>
@@ -3352,7 +3352,7 @@
               </a:defRPr>
             </a:pPr>
             <a:r>
-              <a:t>• 론칭 첫 달 신규 가입자 32,000명 확보</a:t>
+              <a:t>• 론칭 첫 달 신규 가입자 50,000명 확보</a:t>
             </a:r>
           </a:p>
           <a:p>
@@ -3365,7 +3365,7 @@
               </a:defRPr>
             </a:pPr>
             <a:r>
-              <a:t>• 캠페인 기간 내 광고 투자 대비 수익률(ROAS) 180% 달성</a:t>
+              <a:t>• 디지털 광고 캠페인 ROI 250% 달성</a:t>
             </a:r>
           </a:p>
           <a:p>
@@ -3378,7 +3378,7 @@
               </a:defRPr>
             </a:pPr>
             <a:r>
-              <a:t>• SNS 채널 팔로워 3개월 간 45% 증가</a:t>
+              <a:t>• 소셜미디어 팔로워 3개월 내 30,000명 확보</a:t>
             </a:r>
           </a:p>
         </p:txBody>

--- a/output/portfolio.pptx
+++ b/output/portfolio.pptx
@@ -3137,7 +3137,7 @@
               </a:defRPr>
             </a:pPr>
             <a:r>
-              <a:t>2023.04 - 현재</a:t>
+              <a:t>2023.07 - 현재</a:t>
             </a:r>
           </a:p>
         </p:txBody>
@@ -3242,7 +3242,7 @@
               </a:defRPr>
             </a:pPr>
             <a:r>
-              <a:t>그로스폴리오 론칭 캠페인</a:t>
+              <a:t>그로스폴리오 캠페인</a:t>
             </a:r>
           </a:p>
           <a:p>
@@ -3271,7 +3271,7 @@
               </a:defRPr>
             </a:pPr>
             <a:r>
-              <a:t>• 신규 서비스 그로스폴리오의 전체 마케팅 전략 기획 및 실행</a:t>
+              <a:t>• OTT 서비스의 신규 구독자 유치를 위한 통합 마케팅 캠페인 기획 및 실행</a:t>
             </a:r>
           </a:p>
           <a:p>
@@ -3284,7 +3284,7 @@
               </a:defRPr>
             </a:pPr>
             <a:r>
-              <a:t>• 디지털 광고 캠페인 기획 및 매체 믹스 최적화 진행</a:t>
+              <a:t>• 소셜미디어 채널별 맞춤형 콘텐츠 제작 및 광고 집행 전략 수립</a:t>
             </a:r>
           </a:p>
           <a:p>
@@ -3297,7 +3297,7 @@
               </a:defRPr>
             </a:pPr>
             <a:r>
-              <a:t>• 소셜미디어 채널별 맞춤형 콘텐츠 제작 및 운영</a:t>
+              <a:t>• 인플루언서 협업 프로그램 기획 및 운영을 통한 브랜드 인지도 확대</a:t>
             </a:r>
           </a:p>
           <a:p>
@@ -3310,7 +3310,7 @@
               </a:defRPr>
             </a:pPr>
             <a:r>
-              <a:t>• 인플루언서 마케팅 프로그램 기획 및 협업 진행</a:t>
+              <a:t>• 주요 오리지널 콘텐츠 출시에 맞춘 시즌별 프로모션 캠페인 진행</a:t>
             </a:r>
           </a:p>
           <a:p>
@@ -3323,7 +3323,7 @@
               </a:defRPr>
             </a:pPr>
             <a:r>
-              <a:t>• 서비스 론칭 이벤트 및 프로모션 캠페인 총괄</a:t>
+              <a:t>• 사용자 데이터 분석을 통한 타겟 맞춤형 리타겟팅 전략 수립</a:t>
             </a:r>
           </a:p>
           <a:p>
@@ -3352,7 +3352,7 @@
               </a:defRPr>
             </a:pPr>
             <a:r>
-              <a:t>• 론칭 첫 달 신규 가입자 50,000명 확보</a:t>
+              <a:t>• 캠페인 기간 중 신규 가입자 수 전월 대비 35% 증가</a:t>
             </a:r>
           </a:p>
           <a:p>
@@ -3365,7 +3365,7 @@
               </a:defRPr>
             </a:pPr>
             <a:r>
-              <a:t>• 디지털 광고 캠페인 ROI 250% 달성</a:t>
+              <a:t>• 소셜미디어 채널 팔로워 수 3개월간 25% 성장</a:t>
             </a:r>
           </a:p>
           <a:p>
@@ -3378,7 +3378,7 @@
               </a:defRPr>
             </a:pPr>
             <a:r>
-              <a:t>• 소셜미디어 팔로워 3개월 내 30,000명 확보</a:t>
+              <a:t>• 프로모션 참여율 평균 22% 달성 및 전환율 8.5% 기록</a:t>
             </a:r>
           </a:p>
         </p:txBody>

--- a/output/portfolio.pptx
+++ b/output/portfolio.pptx
@@ -3242,7 +3242,7 @@
               </a:defRPr>
             </a:pPr>
             <a:r>
-              <a:t>그로스폴리오 캠페인</a:t>
+              <a:t>오류수정하기 프로젝트</a:t>
             </a:r>
           </a:p>
           <a:p>
@@ -3271,7 +3271,7 @@
               </a:defRPr>
             </a:pPr>
             <a:r>
-              <a:t>• OTT 서비스의 신규 구독자 유치를 위한 통합 마케팅 캠페인 기획 및 실행</a:t>
+              <a:t>• 서비스 내 사용자 경험을 저해하는 버그 및 오류 사항 모니터링 및 수집</a:t>
             </a:r>
           </a:p>
           <a:p>
@@ -3284,7 +3284,7 @@
               </a:defRPr>
             </a:pPr>
             <a:r>
-              <a:t>• 소셜미디어 채널별 맞춤형 콘텐츠 제작 및 광고 집행 전략 수립</a:t>
+              <a:t>• 고객 피드백 데이터 분석을 통한 우선순위 오류 항목 선별</a:t>
             </a:r>
           </a:p>
           <a:p>
@@ -3297,7 +3297,7 @@
               </a:defRPr>
             </a:pPr>
             <a:r>
-              <a:t>• 인플루언서 협업 프로그램 기획 및 운영을 통한 브랜드 인지도 확대</a:t>
+              <a:t>• 개발팀과의 협업을 통한 오류 수정 프로세스 수립 및 관리</a:t>
             </a:r>
           </a:p>
           <a:p>
@@ -3310,7 +3310,7 @@
               </a:defRPr>
             </a:pPr>
             <a:r>
-              <a:t>• 주요 오리지널 콘텐츠 출시에 맞춘 시즌별 프로모션 캠페인 진행</a:t>
+              <a:t>• 수정된 오류에 대한 사용자 만족도 조사 및 피드백 수집</a:t>
             </a:r>
           </a:p>
           <a:p>
@@ -3323,7 +3323,7 @@
               </a:defRPr>
             </a:pPr>
             <a:r>
-              <a:t>• 사용자 데이터 분석을 통한 타겟 맞춤형 리타겟팅 전략 수립</a:t>
+              <a:t>• 주간 오류 리포트 작성 및 개선사항 도출</a:t>
             </a:r>
           </a:p>
           <a:p>
@@ -3352,7 +3352,7 @@
               </a:defRPr>
             </a:pPr>
             <a:r>
-              <a:t>• 캠페인 기간 중 신규 가입자 수 전월 대비 35% 증가</a:t>
+              <a:t>• 서비스 오류 신고 건수 전월 대비 45% 감소</a:t>
             </a:r>
           </a:p>
           <a:p>
@@ -3365,7 +3365,7 @@
               </a:defRPr>
             </a:pPr>
             <a:r>
-              <a:t>• 소셜미디어 채널 팔로워 수 3개월간 25% 성장</a:t>
+              <a:t>• 사용자 서비스 만족도 조사 결과 85점으로 향상</a:t>
             </a:r>
           </a:p>
           <a:p>
@@ -3378,7 +3378,7 @@
               </a:defRPr>
             </a:pPr>
             <a:r>
-              <a:t>• 프로모션 참여율 평균 22% 달성 및 전환율 8.5% 기록</a:t>
+              <a:t>• 플랫폼 안정성 지표 92%까지 개선</a:t>
             </a:r>
           </a:p>
         </p:txBody>
